--- a/docs/diplom_презентация.pptx
+++ b/docs/diplom_презентация.pptx
@@ -1,15 +1,19 @@
 
 <file path=ppt/presentation.xml><?xml version="1.0" encoding="utf-8"?>
-<p:presentation xmlns:a="http://schemas.openxmlformats.org/drawingml/2006/main" xmlns:r="http://schemas.openxmlformats.org/officeDocument/2006/relationships" xmlns:p="http://schemas.openxmlformats.org/presentationml/2006/main" saveSubsetFonts="1">
+<p:presentation xmlns:a="http://schemas.openxmlformats.org/drawingml/2006/main" xmlns:r="http://schemas.openxmlformats.org/officeDocument/2006/relationships" xmlns:p="http://schemas.openxmlformats.org/presentationml/2006/main" showSpecialPlsOnTitleSld="0" saveSubsetFonts="1">
   <p:sldMasterIdLst>
     <p:sldMasterId id="2147483660" r:id="rId1"/>
   </p:sldMasterIdLst>
+  <p:notesMasterIdLst>
+    <p:notesMasterId r:id="rId5"/>
+  </p:notesMasterIdLst>
   <p:handoutMasterIdLst>
-    <p:handoutMasterId r:id="rId4"/>
+    <p:handoutMasterId r:id="rId6"/>
   </p:handoutMasterIdLst>
   <p:sldIdLst>
     <p:sldId id="256" r:id="rId2"/>
     <p:sldId id="260" r:id="rId3"/>
+    <p:sldId id="261" r:id="rId4"/>
   </p:sldIdLst>
   <p:sldSz cx="9144000" cy="6858000" type="screen4x3"/>
   <p:notesSz cx="6858000" cy="9144000"/>
@@ -212,7 +216,7 @@
           <a:p>
             <a:fld id="{BE2DD1C9-4BB6-422A-8F34-C157EA500BD9}" type="datetimeFigureOut">
               <a:rPr lang="en-US" smtClean="0"/>
-              <a:t>1/26/2017</a:t>
+              <a:t>1/12/2020</a:t>
             </a:fld>
             <a:endParaRPr lang="en-US"/>
           </a:p>
@@ -293,6 +297,440 @@
   </p:cSld>
   <p:clrMap bg1="lt1" tx1="dk1" bg2="lt2" tx2="dk2" accent1="accent1" accent2="accent2" accent3="accent3" accent4="accent4" accent5="accent5" accent6="accent6" hlink="hlink" folHlink="folHlink"/>
 </p:handoutMaster>
+</file>
+
+<file path=ppt/notesMasters/notesMaster1.xml><?xml version="1.0" encoding="utf-8"?>
+<p:notesMaster xmlns:a="http://schemas.openxmlformats.org/drawingml/2006/main" xmlns:r="http://schemas.openxmlformats.org/officeDocument/2006/relationships" xmlns:p="http://schemas.openxmlformats.org/presentationml/2006/main">
+  <p:cSld>
+    <p:bg>
+      <p:bgRef idx="1001">
+        <a:schemeClr val="bg1"/>
+      </p:bgRef>
+    </p:bg>
+    <p:spTree>
+      <p:nvGrpSpPr>
+        <p:cNvPr id="1" name=""/>
+        <p:cNvGrpSpPr/>
+        <p:nvPr/>
+      </p:nvGrpSpPr>
+      <p:grpSpPr>
+        <a:xfrm>
+          <a:off x="0" y="0"/>
+          <a:ext cx="0" cy="0"/>
+          <a:chOff x="0" y="0"/>
+          <a:chExt cx="0" cy="0"/>
+        </a:xfrm>
+      </p:grpSpPr>
+      <p:sp>
+        <p:nvSpPr>
+          <p:cNvPr id="2" name="Верхний колонтитул 1"/>
+          <p:cNvSpPr>
+            <a:spLocks noGrp="1"/>
+          </p:cNvSpPr>
+          <p:nvPr>
+            <p:ph type="hdr" sz="quarter"/>
+          </p:nvPr>
+        </p:nvSpPr>
+        <p:spPr>
+          <a:xfrm>
+            <a:off x="0" y="0"/>
+            <a:ext cx="2971800" cy="458788"/>
+          </a:xfrm>
+          <a:prstGeom prst="rect">
+            <a:avLst/>
+          </a:prstGeom>
+        </p:spPr>
+        <p:txBody>
+          <a:bodyPr vert="horz" lIns="91440" tIns="45720" rIns="91440" bIns="45720" rtlCol="0"/>
+          <a:lstStyle>
+            <a:lvl1pPr algn="l">
+              <a:defRPr sz="1200"/>
+            </a:lvl1pPr>
+          </a:lstStyle>
+          <a:p>
+            <a:endParaRPr lang="ru-RU"/>
+          </a:p>
+        </p:txBody>
+      </p:sp>
+      <p:sp>
+        <p:nvSpPr>
+          <p:cNvPr id="3" name="Дата 2"/>
+          <p:cNvSpPr>
+            <a:spLocks noGrp="1"/>
+          </p:cNvSpPr>
+          <p:nvPr>
+            <p:ph type="dt" idx="1"/>
+          </p:nvPr>
+        </p:nvSpPr>
+        <p:spPr>
+          <a:xfrm>
+            <a:off x="3884613" y="0"/>
+            <a:ext cx="2971800" cy="458788"/>
+          </a:xfrm>
+          <a:prstGeom prst="rect">
+            <a:avLst/>
+          </a:prstGeom>
+        </p:spPr>
+        <p:txBody>
+          <a:bodyPr vert="horz" lIns="91440" tIns="45720" rIns="91440" bIns="45720" rtlCol="0"/>
+          <a:lstStyle>
+            <a:lvl1pPr algn="r">
+              <a:defRPr sz="1200"/>
+            </a:lvl1pPr>
+          </a:lstStyle>
+          <a:p>
+            <a:fld id="{018FB129-AC4C-4D0D-AF49-2DD2EC1B94CE}" type="datetimeFigureOut">
+              <a:rPr lang="ru-RU" smtClean="0"/>
+              <a:t>12.01.2020</a:t>
+            </a:fld>
+            <a:endParaRPr lang="ru-RU"/>
+          </a:p>
+        </p:txBody>
+      </p:sp>
+      <p:sp>
+        <p:nvSpPr>
+          <p:cNvPr id="4" name="Образ слайда 3"/>
+          <p:cNvSpPr>
+            <a:spLocks noGrp="1" noRot="1" noChangeAspect="1"/>
+          </p:cNvSpPr>
+          <p:nvPr>
+            <p:ph type="sldImg" idx="2"/>
+          </p:nvPr>
+        </p:nvSpPr>
+        <p:spPr>
+          <a:xfrm>
+            <a:off x="1371600" y="1143000"/>
+            <a:ext cx="4114800" cy="3086100"/>
+          </a:xfrm>
+          <a:prstGeom prst="rect">
+            <a:avLst/>
+          </a:prstGeom>
+          <a:noFill/>
+          <a:ln w="12700">
+            <a:solidFill>
+              <a:prstClr val="black"/>
+            </a:solidFill>
+          </a:ln>
+        </p:spPr>
+        <p:txBody>
+          <a:bodyPr vert="horz" lIns="91440" tIns="45720" rIns="91440" bIns="45720" rtlCol="0" anchor="ctr"/>
+          <a:lstStyle/>
+          <a:p>
+            <a:endParaRPr lang="ru-RU"/>
+          </a:p>
+        </p:txBody>
+      </p:sp>
+      <p:sp>
+        <p:nvSpPr>
+          <p:cNvPr id="5" name="Заметки 4"/>
+          <p:cNvSpPr>
+            <a:spLocks noGrp="1"/>
+          </p:cNvSpPr>
+          <p:nvPr>
+            <p:ph type="body" sz="quarter" idx="3"/>
+          </p:nvPr>
+        </p:nvSpPr>
+        <p:spPr>
+          <a:xfrm>
+            <a:off x="685800" y="4400550"/>
+            <a:ext cx="5486400" cy="3600450"/>
+          </a:xfrm>
+          <a:prstGeom prst="rect">
+            <a:avLst/>
+          </a:prstGeom>
+        </p:spPr>
+        <p:txBody>
+          <a:bodyPr vert="horz" lIns="91440" tIns="45720" rIns="91440" bIns="45720" rtlCol="0"/>
+          <a:lstStyle/>
+          <a:p>
+            <a:pPr lvl="0"/>
+            <a:r>
+              <a:rPr lang="ru-RU" smtClean="0"/>
+              <a:t>Образец текста</a:t>
+            </a:r>
+          </a:p>
+          <a:p>
+            <a:pPr lvl="1"/>
+            <a:r>
+              <a:rPr lang="ru-RU" smtClean="0"/>
+              <a:t>Второй уровень</a:t>
+            </a:r>
+          </a:p>
+          <a:p>
+            <a:pPr lvl="2"/>
+            <a:r>
+              <a:rPr lang="ru-RU" smtClean="0"/>
+              <a:t>Третий уровень</a:t>
+            </a:r>
+          </a:p>
+          <a:p>
+            <a:pPr lvl="3"/>
+            <a:r>
+              <a:rPr lang="ru-RU" smtClean="0"/>
+              <a:t>Четвертый уровень</a:t>
+            </a:r>
+          </a:p>
+          <a:p>
+            <a:pPr lvl="4"/>
+            <a:r>
+              <a:rPr lang="ru-RU" smtClean="0"/>
+              <a:t>Пятый уровень</a:t>
+            </a:r>
+            <a:endParaRPr lang="ru-RU"/>
+          </a:p>
+        </p:txBody>
+      </p:sp>
+      <p:sp>
+        <p:nvSpPr>
+          <p:cNvPr id="6" name="Нижний колонтитул 5"/>
+          <p:cNvSpPr>
+            <a:spLocks noGrp="1"/>
+          </p:cNvSpPr>
+          <p:nvPr>
+            <p:ph type="ftr" sz="quarter" idx="4"/>
+          </p:nvPr>
+        </p:nvSpPr>
+        <p:spPr>
+          <a:xfrm>
+            <a:off x="0" y="8685213"/>
+            <a:ext cx="2971800" cy="458787"/>
+          </a:xfrm>
+          <a:prstGeom prst="rect">
+            <a:avLst/>
+          </a:prstGeom>
+        </p:spPr>
+        <p:txBody>
+          <a:bodyPr vert="horz" lIns="91440" tIns="45720" rIns="91440" bIns="45720" rtlCol="0" anchor="b"/>
+          <a:lstStyle>
+            <a:lvl1pPr algn="l">
+              <a:defRPr sz="1200"/>
+            </a:lvl1pPr>
+          </a:lstStyle>
+          <a:p>
+            <a:endParaRPr lang="ru-RU"/>
+          </a:p>
+        </p:txBody>
+      </p:sp>
+      <p:sp>
+        <p:nvSpPr>
+          <p:cNvPr id="7" name="Номер слайда 6"/>
+          <p:cNvSpPr>
+            <a:spLocks noGrp="1"/>
+          </p:cNvSpPr>
+          <p:nvPr>
+            <p:ph type="sldNum" sz="quarter" idx="5"/>
+          </p:nvPr>
+        </p:nvSpPr>
+        <p:spPr>
+          <a:xfrm>
+            <a:off x="3884613" y="8685213"/>
+            <a:ext cx="2971800" cy="458787"/>
+          </a:xfrm>
+          <a:prstGeom prst="rect">
+            <a:avLst/>
+          </a:prstGeom>
+        </p:spPr>
+        <p:txBody>
+          <a:bodyPr vert="horz" lIns="91440" tIns="45720" rIns="91440" bIns="45720" rtlCol="0" anchor="b"/>
+          <a:lstStyle>
+            <a:lvl1pPr algn="r">
+              <a:defRPr sz="1200"/>
+            </a:lvl1pPr>
+          </a:lstStyle>
+          <a:p>
+            <a:fld id="{EBB43402-1233-4587-8AD3-BCC36A1F2670}" type="slidenum">
+              <a:rPr lang="ru-RU" smtClean="0"/>
+              <a:t>‹#›</a:t>
+            </a:fld>
+            <a:endParaRPr lang="ru-RU"/>
+          </a:p>
+        </p:txBody>
+      </p:sp>
+    </p:spTree>
+    <p:extLst>
+      <p:ext uri="{BB962C8B-B14F-4D97-AF65-F5344CB8AC3E}">
+        <p14:creationId xmlns:p14="http://schemas.microsoft.com/office/powerpoint/2010/main" val="2757119649"/>
+      </p:ext>
+    </p:extLst>
+  </p:cSld>
+  <p:clrMap bg1="lt1" tx1="dk1" bg2="lt2" tx2="dk2" accent1="accent1" accent2="accent2" accent3="accent3" accent4="accent4" accent5="accent5" accent6="accent6" hlink="hlink" folHlink="folHlink"/>
+  <p:notesStyle>
+    <a:lvl1pPr marL="0" algn="l" defTabSz="914400" rtl="0" eaLnBrk="1" latinLnBrk="0" hangingPunct="1">
+      <a:defRPr sz="1200" kern="1200">
+        <a:solidFill>
+          <a:schemeClr val="tx1"/>
+        </a:solidFill>
+        <a:latin typeface="+mn-lt"/>
+        <a:ea typeface="+mn-ea"/>
+        <a:cs typeface="+mn-cs"/>
+      </a:defRPr>
+    </a:lvl1pPr>
+    <a:lvl2pPr marL="457200" algn="l" defTabSz="914400" rtl="0" eaLnBrk="1" latinLnBrk="0" hangingPunct="1">
+      <a:defRPr sz="1200" kern="1200">
+        <a:solidFill>
+          <a:schemeClr val="tx1"/>
+        </a:solidFill>
+        <a:latin typeface="+mn-lt"/>
+        <a:ea typeface="+mn-ea"/>
+        <a:cs typeface="+mn-cs"/>
+      </a:defRPr>
+    </a:lvl2pPr>
+    <a:lvl3pPr marL="914400" algn="l" defTabSz="914400" rtl="0" eaLnBrk="1" latinLnBrk="0" hangingPunct="1">
+      <a:defRPr sz="1200" kern="1200">
+        <a:solidFill>
+          <a:schemeClr val="tx1"/>
+        </a:solidFill>
+        <a:latin typeface="+mn-lt"/>
+        <a:ea typeface="+mn-ea"/>
+        <a:cs typeface="+mn-cs"/>
+      </a:defRPr>
+    </a:lvl3pPr>
+    <a:lvl4pPr marL="1371600" algn="l" defTabSz="914400" rtl="0" eaLnBrk="1" latinLnBrk="0" hangingPunct="1">
+      <a:defRPr sz="1200" kern="1200">
+        <a:solidFill>
+          <a:schemeClr val="tx1"/>
+        </a:solidFill>
+        <a:latin typeface="+mn-lt"/>
+        <a:ea typeface="+mn-ea"/>
+        <a:cs typeface="+mn-cs"/>
+      </a:defRPr>
+    </a:lvl4pPr>
+    <a:lvl5pPr marL="1828800" algn="l" defTabSz="914400" rtl="0" eaLnBrk="1" latinLnBrk="0" hangingPunct="1">
+      <a:defRPr sz="1200" kern="1200">
+        <a:solidFill>
+          <a:schemeClr val="tx1"/>
+        </a:solidFill>
+        <a:latin typeface="+mn-lt"/>
+        <a:ea typeface="+mn-ea"/>
+        <a:cs typeface="+mn-cs"/>
+      </a:defRPr>
+    </a:lvl5pPr>
+    <a:lvl6pPr marL="2286000" algn="l" defTabSz="914400" rtl="0" eaLnBrk="1" latinLnBrk="0" hangingPunct="1">
+      <a:defRPr sz="1200" kern="1200">
+        <a:solidFill>
+          <a:schemeClr val="tx1"/>
+        </a:solidFill>
+        <a:latin typeface="+mn-lt"/>
+        <a:ea typeface="+mn-ea"/>
+        <a:cs typeface="+mn-cs"/>
+      </a:defRPr>
+    </a:lvl6pPr>
+    <a:lvl7pPr marL="2743200" algn="l" defTabSz="914400" rtl="0" eaLnBrk="1" latinLnBrk="0" hangingPunct="1">
+      <a:defRPr sz="1200" kern="1200">
+        <a:solidFill>
+          <a:schemeClr val="tx1"/>
+        </a:solidFill>
+        <a:latin typeface="+mn-lt"/>
+        <a:ea typeface="+mn-ea"/>
+        <a:cs typeface="+mn-cs"/>
+      </a:defRPr>
+    </a:lvl7pPr>
+    <a:lvl8pPr marL="3200400" algn="l" defTabSz="914400" rtl="0" eaLnBrk="1" latinLnBrk="0" hangingPunct="1">
+      <a:defRPr sz="1200" kern="1200">
+        <a:solidFill>
+          <a:schemeClr val="tx1"/>
+        </a:solidFill>
+        <a:latin typeface="+mn-lt"/>
+        <a:ea typeface="+mn-ea"/>
+        <a:cs typeface="+mn-cs"/>
+      </a:defRPr>
+    </a:lvl8pPr>
+    <a:lvl9pPr marL="3657600" algn="l" defTabSz="914400" rtl="0" eaLnBrk="1" latinLnBrk="0" hangingPunct="1">
+      <a:defRPr sz="1200" kern="1200">
+        <a:solidFill>
+          <a:schemeClr val="tx1"/>
+        </a:solidFill>
+        <a:latin typeface="+mn-lt"/>
+        <a:ea typeface="+mn-ea"/>
+        <a:cs typeface="+mn-cs"/>
+      </a:defRPr>
+    </a:lvl9pPr>
+  </p:notesStyle>
+</p:notesMaster>
+</file>
+
+<file path=ppt/notesSlides/notesSlide1.xml><?xml version="1.0" encoding="utf-8"?>
+<p:notes xmlns:a="http://schemas.openxmlformats.org/drawingml/2006/main" xmlns:r="http://schemas.openxmlformats.org/officeDocument/2006/relationships" xmlns:p="http://schemas.openxmlformats.org/presentationml/2006/main">
+  <p:cSld>
+    <p:spTree>
+      <p:nvGrpSpPr>
+        <p:cNvPr id="1" name=""/>
+        <p:cNvGrpSpPr/>
+        <p:nvPr/>
+      </p:nvGrpSpPr>
+      <p:grpSpPr>
+        <a:xfrm>
+          <a:off x="0" y="0"/>
+          <a:ext cx="0" cy="0"/>
+          <a:chOff x="0" y="0"/>
+          <a:chExt cx="0" cy="0"/>
+        </a:xfrm>
+      </p:grpSpPr>
+      <p:sp>
+        <p:nvSpPr>
+          <p:cNvPr id="2" name="Образ слайда 1"/>
+          <p:cNvSpPr>
+            <a:spLocks noGrp="1" noRot="1" noChangeAspect="1"/>
+          </p:cNvSpPr>
+          <p:nvPr>
+            <p:ph type="sldImg"/>
+          </p:nvPr>
+        </p:nvSpPr>
+        <p:spPr/>
+      </p:sp>
+      <p:sp>
+        <p:nvSpPr>
+          <p:cNvPr id="3" name="Заметки 2"/>
+          <p:cNvSpPr>
+            <a:spLocks noGrp="1"/>
+          </p:cNvSpPr>
+          <p:nvPr>
+            <p:ph type="body" idx="1"/>
+          </p:nvPr>
+        </p:nvSpPr>
+        <p:spPr/>
+        <p:txBody>
+          <a:bodyPr/>
+          <a:lstStyle/>
+          <a:p>
+            <a:endParaRPr lang="ru-RU"/>
+          </a:p>
+        </p:txBody>
+      </p:sp>
+      <p:sp>
+        <p:nvSpPr>
+          <p:cNvPr id="4" name="Номер слайда 3"/>
+          <p:cNvSpPr>
+            <a:spLocks noGrp="1"/>
+          </p:cNvSpPr>
+          <p:nvPr>
+            <p:ph type="sldNum" sz="quarter" idx="10"/>
+          </p:nvPr>
+        </p:nvSpPr>
+        <p:spPr/>
+        <p:txBody>
+          <a:bodyPr/>
+          <a:lstStyle/>
+          <a:p>
+            <a:fld id="{EBB43402-1233-4587-8AD3-BCC36A1F2670}" type="slidenum">
+              <a:rPr lang="ru-RU" smtClean="0"/>
+              <a:t>2</a:t>
+            </a:fld>
+            <a:endParaRPr lang="ru-RU"/>
+          </a:p>
+        </p:txBody>
+      </p:sp>
+    </p:spTree>
+    <p:extLst>
+      <p:ext uri="{BB962C8B-B14F-4D97-AF65-F5344CB8AC3E}">
+        <p14:creationId xmlns:p14="http://schemas.microsoft.com/office/powerpoint/2010/main" val="3186110543"/>
+      </p:ext>
+    </p:extLst>
+  </p:cSld>
+  <p:clrMapOvr>
+    <a:masterClrMapping/>
+  </p:clrMapOvr>
+</p:notes>
 </file>
 
 <file path=ppt/slideLayouts/slideLayout1.xml><?xml version="1.0" encoding="utf-8"?>
@@ -424,9 +862,9 @@
           <a:bodyPr/>
           <a:lstStyle/>
           <a:p>
-            <a:fld id="{1DBD9794-A4CC-42D0-9A65-24C6B9EF4076}" type="datetimeFigureOut">
-              <a:rPr lang="en-US" smtClean="0"/>
-              <a:t>1/26/2017</a:t>
+            <a:fld id="{6C1261EA-765C-4225-B4E9-29B7459C9FAF}" type="datetime1">
+              <a:rPr lang="en-US" smtClean="0"/>
+              <a:t>1/12/2020</a:t>
             </a:fld>
             <a:endParaRPr lang="en-US"/>
           </a:p>
@@ -594,9 +1032,9 @@
           <a:bodyPr/>
           <a:lstStyle/>
           <a:p>
-            <a:fld id="{1DBD9794-A4CC-42D0-9A65-24C6B9EF4076}" type="datetimeFigureOut">
-              <a:rPr lang="en-US" smtClean="0"/>
-              <a:t>1/26/2017</a:t>
+            <a:fld id="{965FD47E-BAC9-42EE-A780-03590DEA33E4}" type="datetime1">
+              <a:rPr lang="en-US" smtClean="0"/>
+              <a:t>1/12/2020</a:t>
             </a:fld>
             <a:endParaRPr lang="en-US"/>
           </a:p>
@@ -774,9 +1212,9 @@
           <a:bodyPr/>
           <a:lstStyle/>
           <a:p>
-            <a:fld id="{1DBD9794-A4CC-42D0-9A65-24C6B9EF4076}" type="datetimeFigureOut">
-              <a:rPr lang="en-US" smtClean="0"/>
-              <a:t>1/26/2017</a:t>
+            <a:fld id="{D0B263F2-8665-4B28-8618-7C8C4EA2F6D5}" type="datetime1">
+              <a:rPr lang="en-US" smtClean="0"/>
+              <a:t>1/12/2020</a:t>
             </a:fld>
             <a:endParaRPr lang="en-US"/>
           </a:p>
@@ -944,9 +1382,9 @@
           <a:bodyPr/>
           <a:lstStyle/>
           <a:p>
-            <a:fld id="{1DBD9794-A4CC-42D0-9A65-24C6B9EF4076}" type="datetimeFigureOut">
-              <a:rPr lang="en-US" smtClean="0"/>
-              <a:t>1/26/2017</a:t>
+            <a:fld id="{F60BF73D-DD80-43FA-9653-9D12D1A90B62}" type="datetime1">
+              <a:rPr lang="en-US" smtClean="0"/>
+              <a:t>1/12/2020</a:t>
             </a:fld>
             <a:endParaRPr lang="en-US"/>
           </a:p>
@@ -1188,9 +1626,9 @@
           <a:bodyPr/>
           <a:lstStyle/>
           <a:p>
-            <a:fld id="{1DBD9794-A4CC-42D0-9A65-24C6B9EF4076}" type="datetimeFigureOut">
-              <a:rPr lang="en-US" smtClean="0"/>
-              <a:t>1/26/2017</a:t>
+            <a:fld id="{99215465-AC52-4C0E-88DB-06CBFBBBE969}" type="datetime1">
+              <a:rPr lang="en-US" smtClean="0"/>
+              <a:t>1/12/2020</a:t>
             </a:fld>
             <a:endParaRPr lang="en-US"/>
           </a:p>
@@ -1420,9 +1858,9 @@
           <a:bodyPr/>
           <a:lstStyle/>
           <a:p>
-            <a:fld id="{1DBD9794-A4CC-42D0-9A65-24C6B9EF4076}" type="datetimeFigureOut">
-              <a:rPr lang="en-US" smtClean="0"/>
-              <a:t>1/26/2017</a:t>
+            <a:fld id="{4D45941C-8903-4FDA-B5C7-F263077BB820}" type="datetime1">
+              <a:rPr lang="en-US" smtClean="0"/>
+              <a:t>1/12/2020</a:t>
             </a:fld>
             <a:endParaRPr lang="en-US"/>
           </a:p>
@@ -1787,9 +2225,9 @@
           <a:bodyPr/>
           <a:lstStyle/>
           <a:p>
-            <a:fld id="{1DBD9794-A4CC-42D0-9A65-24C6B9EF4076}" type="datetimeFigureOut">
-              <a:rPr lang="en-US" smtClean="0"/>
-              <a:t>1/26/2017</a:t>
+            <a:fld id="{EE7F5B29-35A9-459F-BBDE-231929F25922}" type="datetime1">
+              <a:rPr lang="en-US" smtClean="0"/>
+              <a:t>1/12/2020</a:t>
             </a:fld>
             <a:endParaRPr lang="en-US"/>
           </a:p>
@@ -1905,9 +2343,9 @@
           <a:bodyPr/>
           <a:lstStyle/>
           <a:p>
-            <a:fld id="{1DBD9794-A4CC-42D0-9A65-24C6B9EF4076}" type="datetimeFigureOut">
-              <a:rPr lang="en-US" smtClean="0"/>
-              <a:t>1/26/2017</a:t>
+            <a:fld id="{A1700B01-6028-4159-92D6-2E713958A10B}" type="datetime1">
+              <a:rPr lang="en-US" smtClean="0"/>
+              <a:t>1/12/2020</a:t>
             </a:fld>
             <a:endParaRPr lang="en-US"/>
           </a:p>
@@ -2000,9 +2438,9 @@
           <a:bodyPr/>
           <a:lstStyle/>
           <a:p>
-            <a:fld id="{1DBD9794-A4CC-42D0-9A65-24C6B9EF4076}" type="datetimeFigureOut">
-              <a:rPr lang="en-US" smtClean="0"/>
-              <a:t>1/26/2017</a:t>
+            <a:fld id="{85C2F2AA-2016-4774-92BD-A7670B411DCF}" type="datetime1">
+              <a:rPr lang="en-US" smtClean="0"/>
+              <a:t>1/12/2020</a:t>
             </a:fld>
             <a:endParaRPr lang="en-US"/>
           </a:p>
@@ -2277,9 +2715,9 @@
           <a:bodyPr/>
           <a:lstStyle/>
           <a:p>
-            <a:fld id="{1DBD9794-A4CC-42D0-9A65-24C6B9EF4076}" type="datetimeFigureOut">
-              <a:rPr lang="en-US" smtClean="0"/>
-              <a:t>1/26/2017</a:t>
+            <a:fld id="{0B14FA27-6A3B-4D63-A98C-10134188FF3D}" type="datetime1">
+              <a:rPr lang="en-US" smtClean="0"/>
+              <a:t>1/12/2020</a:t>
             </a:fld>
             <a:endParaRPr lang="en-US"/>
           </a:p>
@@ -2534,9 +2972,9 @@
           <a:bodyPr/>
           <a:lstStyle/>
           <a:p>
-            <a:fld id="{1DBD9794-A4CC-42D0-9A65-24C6B9EF4076}" type="datetimeFigureOut">
-              <a:rPr lang="en-US" smtClean="0"/>
-              <a:t>1/26/2017</a:t>
+            <a:fld id="{D6FB8160-C4EA-4DF4-9F07-8F8CDEE856B6}" type="datetime1">
+              <a:rPr lang="en-US" smtClean="0"/>
+              <a:t>1/12/2020</a:t>
             </a:fld>
             <a:endParaRPr lang="en-US"/>
           </a:p>
@@ -2744,9 +3182,9 @@
             </a:lvl1pPr>
           </a:lstStyle>
           <a:p>
-            <a:fld id="{1DBD9794-A4CC-42D0-9A65-24C6B9EF4076}" type="datetimeFigureOut">
-              <a:rPr lang="en-US" smtClean="0"/>
-              <a:t>1/26/2017</a:t>
+            <a:fld id="{87613813-748E-40A8-A017-7BBA5125A419}" type="datetime1">
+              <a:rPr lang="en-US" smtClean="0"/>
+              <a:t>1/12/2020</a:t>
             </a:fld>
             <a:endParaRPr lang="en-US"/>
           </a:p>
@@ -2884,6 +3322,7 @@
     <p:sldLayoutId id="2147483670" r:id="rId10"/>
     <p:sldLayoutId id="2147483671" r:id="rId11"/>
   </p:sldLayoutIdLst>
+  <p:hf hdr="0" ftr="0" dt="0"/>
   <p:txStyles>
     <p:titleStyle>
       <a:lvl1pPr algn="l" defTabSz="914400" rtl="0" eaLnBrk="1" latinLnBrk="0" hangingPunct="1">
@@ -3226,8 +3665,8 @@
         </p:nvSpPr>
         <p:spPr>
           <a:xfrm>
-            <a:off x="736979" y="2241646"/>
-            <a:ext cx="4572000" cy="687260"/>
+            <a:off x="621425" y="696438"/>
+            <a:ext cx="5486401" cy="1647567"/>
           </a:xfrm>
         </p:spPr>
         <p:txBody>
@@ -3237,7 +3676,7 @@
           <a:lstStyle/>
           <a:p>
             <a:r>
-              <a:rPr lang="en-US" sz="6600" dirty="0" smtClean="0">
+              <a:rPr lang="ru-RU" sz="3200" dirty="0" smtClean="0">
                 <a:ln w="18415" cmpd="sng">
                   <a:solidFill>
                     <a:srgbClr val="FFFFFF"/>
@@ -3256,9 +3695,9 @@
                 </a:effectLst>
                 <a:latin typeface="+mn-lt"/>
               </a:rPr>
-              <a:t>Name of presentation</a:t>
+              <a:t>Оценка защищенности сетевой инфраструктуры и выбор защитных мер на основе графов атак</a:t>
             </a:r>
-            <a:endParaRPr lang="en-US" sz="6600" dirty="0">
+            <a:endParaRPr lang="en-US" sz="3200" dirty="0">
               <a:ln w="18415" cmpd="sng">
                 <a:solidFill>
                   <a:srgbClr val="FFFFFF"/>
@@ -3277,6 +3716,61 @@
               </a:effectLst>
               <a:latin typeface="+mn-lt"/>
             </a:endParaRPr>
+          </a:p>
+        </p:txBody>
+      </p:sp>
+      <p:sp>
+        <p:nvSpPr>
+          <p:cNvPr id="5" name="Скругленный прямоугольник 4"/>
+          <p:cNvSpPr/>
+          <p:nvPr/>
+        </p:nvSpPr>
+        <p:spPr>
+          <a:xfrm>
+            <a:off x="269731" y="253824"/>
+            <a:ext cx="6189791" cy="2288039"/>
+          </a:xfrm>
+          <a:prstGeom prst="roundRect">
+            <a:avLst/>
+          </a:prstGeom>
+          <a:noFill/>
+          <a:ln w="38100">
+            <a:solidFill>
+              <a:schemeClr val="bg1">
+                <a:lumMod val="75000"/>
+              </a:schemeClr>
+            </a:solidFill>
+          </a:ln>
+          <a:effectLst>
+            <a:outerShdw blurRad="50800" dist="38100" dir="2700000" algn="tl" rotWithShape="0">
+              <a:prstClr val="black">
+                <a:alpha val="40000"/>
+              </a:prstClr>
+            </a:outerShdw>
+          </a:effectLst>
+        </p:spPr>
+        <p:style>
+          <a:lnRef idx="2">
+            <a:schemeClr val="accent1">
+              <a:shade val="50000"/>
+            </a:schemeClr>
+          </a:lnRef>
+          <a:fillRef idx="1">
+            <a:schemeClr val="accent1"/>
+          </a:fillRef>
+          <a:effectRef idx="0">
+            <a:schemeClr val="accent1"/>
+          </a:effectRef>
+          <a:fontRef idx="minor">
+            <a:schemeClr val="lt1"/>
+          </a:fontRef>
+        </p:style>
+        <p:txBody>
+          <a:bodyPr rtlCol="0" anchor="ctr"/>
+          <a:lstStyle/>
+          <a:p>
+            <a:pPr algn="ctr"/>
+            <a:endParaRPr lang="ru-RU"/>
           </a:p>
         </p:txBody>
       </p:sp>
@@ -3519,7 +4013,7 @@
                 <p:nvPr/>
               </p:nvPicPr>
               <p:blipFill>
-                <a:blip r:embed="rId2" cstate="print">
+                <a:blip r:embed="rId3" cstate="print">
                   <a:extLst>
                     <a:ext uri="{28A0092B-C50C-407E-A947-70E740481C1C}">
                       <a14:useLocalDpi xmlns:a14="http://schemas.microsoft.com/office/drawing/2010/main" val="0"/>
@@ -3698,7 +4192,7 @@
                 <p:nvPr/>
               </p:nvPicPr>
               <p:blipFill>
-                <a:blip r:embed="rId3" cstate="print">
+                <a:blip r:embed="rId4" cstate="print">
                   <a:extLst>
                     <a:ext uri="{28A0092B-C50C-407E-A947-70E740481C1C}">
                       <a14:useLocalDpi xmlns:a14="http://schemas.microsoft.com/office/drawing/2010/main" val="0"/>
@@ -3971,7 +4465,7 @@
                 <p:nvPr/>
               </p:nvPicPr>
               <p:blipFill>
-                <a:blip r:embed="rId2" cstate="print">
+                <a:blip r:embed="rId3" cstate="print">
                   <a:extLst>
                     <a:ext uri="{28A0092B-C50C-407E-A947-70E740481C1C}">
                       <a14:useLocalDpi xmlns:a14="http://schemas.microsoft.com/office/drawing/2010/main" val="0"/>
@@ -4150,7 +4644,7 @@
                 <p:nvPr/>
               </p:nvPicPr>
               <p:blipFill>
-                <a:blip r:embed="rId3" cstate="print">
+                <a:blip r:embed="rId4" cstate="print">
                   <a:extLst>
                     <a:ext uri="{28A0092B-C50C-407E-A947-70E740481C1C}">
                       <a14:useLocalDpi xmlns:a14="http://schemas.microsoft.com/office/drawing/2010/main" val="0"/>
@@ -4490,7 +4984,7 @@
                 <p:nvPr/>
               </p:nvPicPr>
               <p:blipFill>
-                <a:blip r:embed="rId2" cstate="print">
+                <a:blip r:embed="rId3" cstate="print">
                   <a:extLst>
                     <a:ext uri="{28A0092B-C50C-407E-A947-70E740481C1C}">
                       <a14:useLocalDpi xmlns:a14="http://schemas.microsoft.com/office/drawing/2010/main" val="0"/>
@@ -4669,7 +5163,7 @@
                 <p:nvPr/>
               </p:nvPicPr>
               <p:blipFill>
-                <a:blip r:embed="rId3" cstate="print">
+                <a:blip r:embed="rId4" cstate="print">
                   <a:extLst>
                     <a:ext uri="{28A0092B-C50C-407E-A947-70E740481C1C}">
                       <a14:useLocalDpi xmlns:a14="http://schemas.microsoft.com/office/drawing/2010/main" val="0"/>
@@ -5009,7 +5503,7 @@
                 <p:nvPr/>
               </p:nvPicPr>
               <p:blipFill>
-                <a:blip r:embed="rId2" cstate="print">
+                <a:blip r:embed="rId3" cstate="print">
                   <a:extLst>
                     <a:ext uri="{28A0092B-C50C-407E-A947-70E740481C1C}">
                       <a14:useLocalDpi xmlns:a14="http://schemas.microsoft.com/office/drawing/2010/main" val="0"/>
@@ -5188,7 +5682,7 @@
                 <p:nvPr/>
               </p:nvPicPr>
               <p:blipFill>
-                <a:blip r:embed="rId3" cstate="print">
+                <a:blip r:embed="rId4" cstate="print">
                   <a:extLst>
                     <a:ext uri="{28A0092B-C50C-407E-A947-70E740481C1C}">
                       <a14:useLocalDpi xmlns:a14="http://schemas.microsoft.com/office/drawing/2010/main" val="0"/>
@@ -5461,7 +5955,7 @@
                 <p:nvPr/>
               </p:nvPicPr>
               <p:blipFill>
-                <a:blip r:embed="rId2" cstate="print">
+                <a:blip r:embed="rId3" cstate="print">
                   <a:extLst>
                     <a:ext uri="{28A0092B-C50C-407E-A947-70E740481C1C}">
                       <a14:useLocalDpi xmlns:a14="http://schemas.microsoft.com/office/drawing/2010/main" val="0"/>
@@ -5640,7 +6134,7 @@
                 <p:nvPr/>
               </p:nvPicPr>
               <p:blipFill>
-                <a:blip r:embed="rId3" cstate="print">
+                <a:blip r:embed="rId4" cstate="print">
                   <a:extLst>
                     <a:ext uri="{28A0092B-C50C-407E-A947-70E740481C1C}">
                       <a14:useLocalDpi xmlns:a14="http://schemas.microsoft.com/office/drawing/2010/main" val="0"/>
@@ -5742,6 +6236,37 @@
           </p:sp>
         </p:grpSp>
       </p:grpSp>
+      <p:sp>
+        <p:nvSpPr>
+          <p:cNvPr id="3" name="Номер слайда 2"/>
+          <p:cNvSpPr>
+            <a:spLocks noGrp="1"/>
+          </p:cNvSpPr>
+          <p:nvPr>
+            <p:ph type="sldNum" sz="quarter" idx="12"/>
+          </p:nvPr>
+        </p:nvSpPr>
+        <p:spPr/>
+        <p:txBody>
+          <a:bodyPr/>
+          <a:lstStyle/>
+          <a:p>
+            <a:fld id="{1FE8DF1E-33BB-4377-9A26-35481BA06C7C}" type="slidenum">
+              <a:rPr lang="en-US" smtClean="0">
+                <a:solidFill>
+                  <a:schemeClr val="bg1"/>
+                </a:solidFill>
+              </a:rPr>
+              <a:t>2</a:t>
+            </a:fld>
+            <a:endParaRPr lang="en-US" dirty="0">
+              <a:solidFill>
+                <a:schemeClr val="bg1"/>
+              </a:solidFill>
+            </a:endParaRPr>
+          </a:p>
+        </p:txBody>
+      </p:sp>
     </p:spTree>
     <p:extLst>
       <p:ext uri="{BB962C8B-B14F-4D97-AF65-F5344CB8AC3E}">
@@ -5752,6 +6277,73 @@
   <p:clrMapOvr>
     <a:masterClrMapping/>
   </p:clrMapOvr>
+  <p:timing>
+    <p:tnLst>
+      <p:par>
+        <p:cTn id="1" dur="indefinite" restart="never" nodeType="tmRoot"/>
+      </p:par>
+    </p:tnLst>
+  </p:timing>
+</p:sld>
+</file>
+
+<file path=ppt/slides/slide3.xml><?xml version="1.0" encoding="utf-8"?>
+<p:sld xmlns:a="http://schemas.openxmlformats.org/drawingml/2006/main" xmlns:r="http://schemas.openxmlformats.org/officeDocument/2006/relationships" xmlns:p="http://schemas.openxmlformats.org/presentationml/2006/main">
+  <p:cSld>
+    <p:spTree>
+      <p:nvGrpSpPr>
+        <p:cNvPr id="1" name=""/>
+        <p:cNvGrpSpPr/>
+        <p:nvPr/>
+      </p:nvGrpSpPr>
+      <p:grpSpPr>
+        <a:xfrm>
+          <a:off x="0" y="0"/>
+          <a:ext cx="0" cy="0"/>
+          <a:chOff x="0" y="0"/>
+          <a:chExt cx="0" cy="0"/>
+        </a:xfrm>
+      </p:grpSpPr>
+      <p:sp>
+        <p:nvSpPr>
+          <p:cNvPr id="3" name="Номер слайда 2"/>
+          <p:cNvSpPr>
+            <a:spLocks noGrp="1"/>
+          </p:cNvSpPr>
+          <p:nvPr>
+            <p:ph type="sldNum" sz="quarter" idx="12"/>
+          </p:nvPr>
+        </p:nvSpPr>
+        <p:spPr/>
+        <p:txBody>
+          <a:bodyPr/>
+          <a:lstStyle/>
+          <a:p>
+            <a:fld id="{1FE8DF1E-33BB-4377-9A26-35481BA06C7C}" type="slidenum">
+              <a:rPr lang="en-US" smtClean="0"/>
+              <a:t>3</a:t>
+            </a:fld>
+            <a:endParaRPr lang="en-US"/>
+          </a:p>
+        </p:txBody>
+      </p:sp>
+    </p:spTree>
+    <p:extLst>
+      <p:ext uri="{BB962C8B-B14F-4D97-AF65-F5344CB8AC3E}">
+        <p14:creationId xmlns:p14="http://schemas.microsoft.com/office/powerpoint/2010/main" val="467326647"/>
+      </p:ext>
+    </p:extLst>
+  </p:cSld>
+  <p:clrMapOvr>
+    <a:masterClrMapping/>
+  </p:clrMapOvr>
+  <p:timing>
+    <p:tnLst>
+      <p:par>
+        <p:cTn id="1" dur="indefinite" restart="never" nodeType="tmRoot"/>
+      </p:par>
+    </p:tnLst>
+  </p:timing>
 </p:sld>
 </file>
 
@@ -6017,6 +6609,267 @@
 </file>
 
 <file path=ppt/theme/theme2.xml><?xml version="1.0" encoding="utf-8"?>
+<a:theme xmlns:a="http://schemas.openxmlformats.org/drawingml/2006/main" name="Тема Office">
+  <a:themeElements>
+    <a:clrScheme name="Стандартная">
+      <a:dk1>
+        <a:sysClr val="windowText" lastClr="000000"/>
+      </a:dk1>
+      <a:lt1>
+        <a:sysClr val="window" lastClr="FFFFFF"/>
+      </a:lt1>
+      <a:dk2>
+        <a:srgbClr val="44546A"/>
+      </a:dk2>
+      <a:lt2>
+        <a:srgbClr val="E7E6E6"/>
+      </a:lt2>
+      <a:accent1>
+        <a:srgbClr val="5B9BD5"/>
+      </a:accent1>
+      <a:accent2>
+        <a:srgbClr val="ED7D31"/>
+      </a:accent2>
+      <a:accent3>
+        <a:srgbClr val="A5A5A5"/>
+      </a:accent3>
+      <a:accent4>
+        <a:srgbClr val="FFC000"/>
+      </a:accent4>
+      <a:accent5>
+        <a:srgbClr val="4472C4"/>
+      </a:accent5>
+      <a:accent6>
+        <a:srgbClr val="70AD47"/>
+      </a:accent6>
+      <a:hlink>
+        <a:srgbClr val="0563C1"/>
+      </a:hlink>
+      <a:folHlink>
+        <a:srgbClr val="954F72"/>
+      </a:folHlink>
+    </a:clrScheme>
+    <a:fontScheme name="Стандартная">
+      <a:majorFont>
+        <a:latin typeface="Calibri Light" panose="020F0302020204030204"/>
+        <a:ea typeface=""/>
+        <a:cs typeface=""/>
+        <a:font script="Jpan" typeface="ＭＳ Ｐゴシック"/>
+        <a:font script="Hang" typeface="맑은 고딕"/>
+        <a:font script="Hans" typeface="宋体"/>
+        <a:font script="Hant" typeface="新細明體"/>
+        <a:font script="Arab" typeface="Times New Roman"/>
+        <a:font script="Hebr" typeface="Times New Roman"/>
+        <a:font script="Thai" typeface="Angsana New"/>
+        <a:font script="Ethi" typeface="Nyala"/>
+        <a:font script="Beng" typeface="Vrinda"/>
+        <a:font script="Gujr" typeface="Shruti"/>
+        <a:font script="Khmr" typeface="MoolBoran"/>
+        <a:font script="Knda" typeface="Tunga"/>
+        <a:font script="Guru" typeface="Raavi"/>
+        <a:font script="Cans" typeface="Euphemia"/>
+        <a:font script="Cher" typeface="Plantagenet Cherokee"/>
+        <a:font script="Yiii" typeface="Microsoft Yi Baiti"/>
+        <a:font script="Tibt" typeface="Microsoft Himalaya"/>
+        <a:font script="Thaa" typeface="MV Boli"/>
+        <a:font script="Deva" typeface="Mangal"/>
+        <a:font script="Telu" typeface="Gautami"/>
+        <a:font script="Taml" typeface="Latha"/>
+        <a:font script="Syrc" typeface="Estrangelo Edessa"/>
+        <a:font script="Orya" typeface="Kalinga"/>
+        <a:font script="Mlym" typeface="Kartika"/>
+        <a:font script="Laoo" typeface="DokChampa"/>
+        <a:font script="Sinh" typeface="Iskoola Pota"/>
+        <a:font script="Mong" typeface="Mongolian Baiti"/>
+        <a:font script="Viet" typeface="Times New Roman"/>
+        <a:font script="Uigh" typeface="Microsoft Uighur"/>
+        <a:font script="Geor" typeface="Sylfaen"/>
+      </a:majorFont>
+      <a:minorFont>
+        <a:latin typeface="Calibri" panose="020F0502020204030204"/>
+        <a:ea typeface=""/>
+        <a:cs typeface=""/>
+        <a:font script="Jpan" typeface="ＭＳ Ｐゴシック"/>
+        <a:font script="Hang" typeface="맑은 고딕"/>
+        <a:font script="Hans" typeface="宋体"/>
+        <a:font script="Hant" typeface="新細明體"/>
+        <a:font script="Arab" typeface="Arial"/>
+        <a:font script="Hebr" typeface="Arial"/>
+        <a:font script="Thai" typeface="Cordia New"/>
+        <a:font script="Ethi" typeface="Nyala"/>
+        <a:font script="Beng" typeface="Vrinda"/>
+        <a:font script="Gujr" typeface="Shruti"/>
+        <a:font script="Khmr" typeface="DaunPenh"/>
+        <a:font script="Knda" typeface="Tunga"/>
+        <a:font script="Guru" typeface="Raavi"/>
+        <a:font script="Cans" typeface="Euphemia"/>
+        <a:font script="Cher" typeface="Plantagenet Cherokee"/>
+        <a:font script="Yiii" typeface="Microsoft Yi Baiti"/>
+        <a:font script="Tibt" typeface="Microsoft Himalaya"/>
+        <a:font script="Thaa" typeface="MV Boli"/>
+        <a:font script="Deva" typeface="Mangal"/>
+        <a:font script="Telu" typeface="Gautami"/>
+        <a:font script="Taml" typeface="Latha"/>
+        <a:font script="Syrc" typeface="Estrangelo Edessa"/>
+        <a:font script="Orya" typeface="Kalinga"/>
+        <a:font script="Mlym" typeface="Kartika"/>
+        <a:font script="Laoo" typeface="DokChampa"/>
+        <a:font script="Sinh" typeface="Iskoola Pota"/>
+        <a:font script="Mong" typeface="Mongolian Baiti"/>
+        <a:font script="Viet" typeface="Arial"/>
+        <a:font script="Uigh" typeface="Microsoft Uighur"/>
+        <a:font script="Geor" typeface="Sylfaen"/>
+      </a:minorFont>
+    </a:fontScheme>
+    <a:fmtScheme name="Стандартная">
+      <a:fillStyleLst>
+        <a:solidFill>
+          <a:schemeClr val="phClr"/>
+        </a:solidFill>
+        <a:gradFill rotWithShape="1">
+          <a:gsLst>
+            <a:gs pos="0">
+              <a:schemeClr val="phClr">
+                <a:lumMod val="110000"/>
+                <a:satMod val="105000"/>
+                <a:tint val="67000"/>
+              </a:schemeClr>
+            </a:gs>
+            <a:gs pos="50000">
+              <a:schemeClr val="phClr">
+                <a:lumMod val="105000"/>
+                <a:satMod val="103000"/>
+                <a:tint val="73000"/>
+              </a:schemeClr>
+            </a:gs>
+            <a:gs pos="100000">
+              <a:schemeClr val="phClr">
+                <a:lumMod val="105000"/>
+                <a:satMod val="109000"/>
+                <a:tint val="81000"/>
+              </a:schemeClr>
+            </a:gs>
+          </a:gsLst>
+          <a:lin ang="5400000" scaled="0"/>
+        </a:gradFill>
+        <a:gradFill rotWithShape="1">
+          <a:gsLst>
+            <a:gs pos="0">
+              <a:schemeClr val="phClr">
+                <a:satMod val="103000"/>
+                <a:lumMod val="102000"/>
+                <a:tint val="94000"/>
+              </a:schemeClr>
+            </a:gs>
+            <a:gs pos="50000">
+              <a:schemeClr val="phClr">
+                <a:satMod val="110000"/>
+                <a:lumMod val="100000"/>
+                <a:shade val="100000"/>
+              </a:schemeClr>
+            </a:gs>
+            <a:gs pos="100000">
+              <a:schemeClr val="phClr">
+                <a:lumMod val="99000"/>
+                <a:satMod val="120000"/>
+                <a:shade val="78000"/>
+              </a:schemeClr>
+            </a:gs>
+          </a:gsLst>
+          <a:lin ang="5400000" scaled="0"/>
+        </a:gradFill>
+      </a:fillStyleLst>
+      <a:lnStyleLst>
+        <a:ln w="6350" cap="flat" cmpd="sng" algn="ctr">
+          <a:solidFill>
+            <a:schemeClr val="phClr"/>
+          </a:solidFill>
+          <a:prstDash val="solid"/>
+          <a:miter lim="800000"/>
+        </a:ln>
+        <a:ln w="12700" cap="flat" cmpd="sng" algn="ctr">
+          <a:solidFill>
+            <a:schemeClr val="phClr"/>
+          </a:solidFill>
+          <a:prstDash val="solid"/>
+          <a:miter lim="800000"/>
+        </a:ln>
+        <a:ln w="19050" cap="flat" cmpd="sng" algn="ctr">
+          <a:solidFill>
+            <a:schemeClr val="phClr"/>
+          </a:solidFill>
+          <a:prstDash val="solid"/>
+          <a:miter lim="800000"/>
+        </a:ln>
+      </a:lnStyleLst>
+      <a:effectStyleLst>
+        <a:effectStyle>
+          <a:effectLst/>
+        </a:effectStyle>
+        <a:effectStyle>
+          <a:effectLst/>
+        </a:effectStyle>
+        <a:effectStyle>
+          <a:effectLst>
+            <a:outerShdw blurRad="57150" dist="19050" dir="5400000" algn="ctr" rotWithShape="0">
+              <a:srgbClr val="000000">
+                <a:alpha val="63000"/>
+              </a:srgbClr>
+            </a:outerShdw>
+          </a:effectLst>
+        </a:effectStyle>
+      </a:effectStyleLst>
+      <a:bgFillStyleLst>
+        <a:solidFill>
+          <a:schemeClr val="phClr"/>
+        </a:solidFill>
+        <a:solidFill>
+          <a:schemeClr val="phClr">
+            <a:tint val="95000"/>
+            <a:satMod val="170000"/>
+          </a:schemeClr>
+        </a:solidFill>
+        <a:gradFill rotWithShape="1">
+          <a:gsLst>
+            <a:gs pos="0">
+              <a:schemeClr val="phClr">
+                <a:tint val="93000"/>
+                <a:satMod val="150000"/>
+                <a:shade val="98000"/>
+                <a:lumMod val="102000"/>
+              </a:schemeClr>
+            </a:gs>
+            <a:gs pos="50000">
+              <a:schemeClr val="phClr">
+                <a:tint val="98000"/>
+                <a:satMod val="130000"/>
+                <a:shade val="90000"/>
+                <a:lumMod val="103000"/>
+              </a:schemeClr>
+            </a:gs>
+            <a:gs pos="100000">
+              <a:schemeClr val="phClr">
+                <a:shade val="63000"/>
+                <a:satMod val="120000"/>
+              </a:schemeClr>
+            </a:gs>
+          </a:gsLst>
+          <a:lin ang="5400000" scaled="0"/>
+        </a:gradFill>
+      </a:bgFillStyleLst>
+    </a:fmtScheme>
+  </a:themeElements>
+  <a:objectDefaults/>
+  <a:extraClrSchemeLst/>
+  <a:extLst>
+    <a:ext uri="{05A4C25C-085E-4340-85A3-A5531E510DB2}">
+      <thm15:themeFamily xmlns:thm15="http://schemas.microsoft.com/office/thememl/2012/main" name="Office Theme" id="{62F939B6-93AF-4DB8-9C6B-D6C7DFDC589F}" vid="{4A3C46E8-61CC-4603-A589-7422A47A8E4A}"/>
+    </a:ext>
+  </a:extLst>
+</a:theme>
+</file>
+
+<file path=ppt/theme/theme3.xml><?xml version="1.0" encoding="utf-8"?>
 <a:theme xmlns:a="http://schemas.openxmlformats.org/drawingml/2006/main" name="Office Theme">
   <a:themeElements>
     <a:clrScheme name="Office">
